--- a/Statistical analysis/session files/Comparisons Between Two Populations.pptx
+++ b/Statistical analysis/session files/Comparisons Between Two Populations.pptx
@@ -19,10 +19,11 @@
     <p:sldId id="263" r:id="rId13"/>
     <p:sldId id="265" r:id="rId14"/>
     <p:sldId id="270" r:id="rId15"/>
-    <p:sldId id="271" r:id="rId16"/>
-    <p:sldId id="273" r:id="rId17"/>
-    <p:sldId id="272" r:id="rId18"/>
-    <p:sldId id="274" r:id="rId19"/>
+    <p:sldId id="275" r:id="rId16"/>
+    <p:sldId id="271" r:id="rId17"/>
+    <p:sldId id="273" r:id="rId18"/>
+    <p:sldId id="272" r:id="rId19"/>
+    <p:sldId id="274" r:id="rId20"/>
   </p:sldIdLst>
   <p:sldSz cx="12192000" cy="6858000"/>
   <p:notesSz cx="6858000" cy="9144000"/>
@@ -132,7 +133,7 @@
 <file path=ppt/revisionInfo.xml><?xml version="1.0" encoding="utf-8"?>
 <p1510:revInfo xmlns:a="http://schemas.openxmlformats.org/drawingml/2006/main" xmlns:r="http://schemas.openxmlformats.org/officeDocument/2006/relationships" xmlns:p1510="http://schemas.microsoft.com/office/powerpoint/2015/10/main">
   <p1510:revLst>
-    <p1510:client id="{C0D742E2-607C-4BA5-AAFF-1DA9F0AE2D41}" v="3" dt="2020-10-12T14:22:26.328"/>
+    <p1510:client id="{C0D742E2-607C-4BA5-AAFF-1DA9F0AE2D41}" v="33" dt="2020-10-17T03:24:51.136"/>
   </p1510:revLst>
 </p1510:revInfo>
 </file>
@@ -141,8 +142,8 @@
 <pc:chgInfo xmlns:a="http://schemas.openxmlformats.org/drawingml/2006/main" xmlns:r="http://schemas.openxmlformats.org/officeDocument/2006/relationships" xmlns:ac="http://schemas.microsoft.com/office/drawing/2013/main/command" xmlns:pc="http://schemas.microsoft.com/office/powerpoint/2013/main/command">
   <pc:docChgLst>
     <pc:chgData name="Sanyal, Sandipto" userId="ce8b666d-e07a-48aa-9977-3164567db1db" providerId="ADAL" clId="{C0D742E2-607C-4BA5-AAFF-1DA9F0AE2D41}"/>
-    <pc:docChg chg="undo modSld">
-      <pc:chgData name="Sanyal, Sandipto" userId="ce8b666d-e07a-48aa-9977-3164567db1db" providerId="ADAL" clId="{C0D742E2-607C-4BA5-AAFF-1DA9F0AE2D41}" dt="2020-10-12T14:22:24.896" v="3" actId="20577"/>
+    <pc:docChg chg="undo custSel addSld modSld">
+      <pc:chgData name="Sanyal, Sandipto" userId="ce8b666d-e07a-48aa-9977-3164567db1db" providerId="ADAL" clId="{C0D742E2-607C-4BA5-AAFF-1DA9F0AE2D41}" dt="2020-10-17T03:24:53.816" v="1102" actId="13822"/>
       <pc:docMkLst>
         <pc:docMk/>
       </pc:docMkLst>
@@ -168,6 +169,186 @@
             <ac:graphicFrameMk id="8" creationId="{00000000-0000-0000-0000-000000000000}"/>
           </ac:graphicFrameMkLst>
         </pc:graphicFrameChg>
+      </pc:sldChg>
+      <pc:sldChg chg="addSp delSp modSp">
+        <pc:chgData name="Sanyal, Sandipto" userId="ce8b666d-e07a-48aa-9977-3164567db1db" providerId="ADAL" clId="{C0D742E2-607C-4BA5-AAFF-1DA9F0AE2D41}" dt="2020-10-17T02:48:58.253" v="256" actId="20577"/>
+        <pc:sldMkLst>
+          <pc:docMk/>
+          <pc:sldMk cId="3542802514" sldId="270"/>
+        </pc:sldMkLst>
+        <pc:spChg chg="add del mod">
+          <ac:chgData name="Sanyal, Sandipto" userId="ce8b666d-e07a-48aa-9977-3164567db1db" providerId="ADAL" clId="{C0D742E2-607C-4BA5-AAFF-1DA9F0AE2D41}" dt="2020-10-17T02:47:05.754" v="83"/>
+          <ac:spMkLst>
+            <pc:docMk/>
+            <pc:sldMk cId="3542802514" sldId="270"/>
+            <ac:spMk id="2" creationId="{BC45C338-D674-4E37-A784-42783D37D7F5}"/>
+          </ac:spMkLst>
+        </pc:spChg>
+        <pc:spChg chg="add mod">
+          <ac:chgData name="Sanyal, Sandipto" userId="ce8b666d-e07a-48aa-9977-3164567db1db" providerId="ADAL" clId="{C0D742E2-607C-4BA5-AAFF-1DA9F0AE2D41}" dt="2020-10-17T02:48:58.253" v="256" actId="20577"/>
+          <ac:spMkLst>
+            <pc:docMk/>
+            <pc:sldMk cId="3542802514" sldId="270"/>
+            <ac:spMk id="3" creationId="{951C606B-EA2D-486F-96D5-FEDE2EA9AC8D}"/>
+          </ac:spMkLst>
+        </pc:spChg>
+        <pc:spChg chg="add del">
+          <ac:chgData name="Sanyal, Sandipto" userId="ce8b666d-e07a-48aa-9977-3164567db1db" providerId="ADAL" clId="{C0D742E2-607C-4BA5-AAFF-1DA9F0AE2D41}" dt="2020-10-17T02:47:05.754" v="83"/>
+          <ac:spMkLst>
+            <pc:docMk/>
+            <pc:sldMk cId="3542802514" sldId="270"/>
+            <ac:spMk id="4" creationId="{00000000-0000-0000-0000-000000000000}"/>
+          </ac:spMkLst>
+        </pc:spChg>
+        <pc:picChg chg="add mod">
+          <ac:chgData name="Sanyal, Sandipto" userId="ce8b666d-e07a-48aa-9977-3164567db1db" providerId="ADAL" clId="{C0D742E2-607C-4BA5-AAFF-1DA9F0AE2D41}" dt="2020-10-17T02:45:56.758" v="12" actId="1076"/>
+          <ac:picMkLst>
+            <pc:docMk/>
+            <pc:sldMk cId="3542802514" sldId="270"/>
+            <ac:picMk id="5" creationId="{0F4D4EF3-15FE-41D2-A97B-8F4318885256}"/>
+          </ac:picMkLst>
+        </pc:picChg>
+      </pc:sldChg>
+      <pc:sldChg chg="addSp delSp modSp">
+        <pc:chgData name="Sanyal, Sandipto" userId="ce8b666d-e07a-48aa-9977-3164567db1db" providerId="ADAL" clId="{C0D742E2-607C-4BA5-AAFF-1DA9F0AE2D41}" dt="2020-10-17T03:18:06.097" v="1031" actId="20577"/>
+        <pc:sldMkLst>
+          <pc:docMk/>
+          <pc:sldMk cId="689504210" sldId="272"/>
+        </pc:sldMkLst>
+        <pc:spChg chg="mod">
+          <ac:chgData name="Sanyal, Sandipto" userId="ce8b666d-e07a-48aa-9977-3164567db1db" providerId="ADAL" clId="{C0D742E2-607C-4BA5-AAFF-1DA9F0AE2D41}" dt="2020-10-17T03:12:26.722" v="808" actId="20577"/>
+          <ac:spMkLst>
+            <pc:docMk/>
+            <pc:sldMk cId="689504210" sldId="272"/>
+            <ac:spMk id="3" creationId="{00000000-0000-0000-0000-000000000000}"/>
+          </ac:spMkLst>
+        </pc:spChg>
+        <pc:spChg chg="add del mod">
+          <ac:chgData name="Sanyal, Sandipto" userId="ce8b666d-e07a-48aa-9977-3164567db1db" providerId="ADAL" clId="{C0D742E2-607C-4BA5-AAFF-1DA9F0AE2D41}" dt="2020-10-17T03:09:24.918" v="577" actId="767"/>
+          <ac:spMkLst>
+            <pc:docMk/>
+            <pc:sldMk cId="689504210" sldId="272"/>
+            <ac:spMk id="4" creationId="{8C63F481-7691-48AC-960A-201ABE6B10B0}"/>
+          </ac:spMkLst>
+        </pc:spChg>
+        <pc:spChg chg="add mod">
+          <ac:chgData name="Sanyal, Sandipto" userId="ce8b666d-e07a-48aa-9977-3164567db1db" providerId="ADAL" clId="{C0D742E2-607C-4BA5-AAFF-1DA9F0AE2D41}" dt="2020-10-17T03:11:14.361" v="798" actId="14100"/>
+          <ac:spMkLst>
+            <pc:docMk/>
+            <pc:sldMk cId="689504210" sldId="272"/>
+            <ac:spMk id="5" creationId="{566EAC09-D8D2-47DD-9F44-7E16A22D978B}"/>
+          </ac:spMkLst>
+        </pc:spChg>
+        <pc:spChg chg="add mod">
+          <ac:chgData name="Sanyal, Sandipto" userId="ce8b666d-e07a-48aa-9977-3164567db1db" providerId="ADAL" clId="{C0D742E2-607C-4BA5-AAFF-1DA9F0AE2D41}" dt="2020-10-17T03:18:06.097" v="1031" actId="20577"/>
+          <ac:spMkLst>
+            <pc:docMk/>
+            <pc:sldMk cId="689504210" sldId="272"/>
+            <ac:spMk id="10" creationId="{4F0897BB-24CF-4FFD-BBE5-4F5D16D48E22}"/>
+          </ac:spMkLst>
+        </pc:spChg>
+        <pc:cxnChg chg="add mod">
+          <ac:chgData name="Sanyal, Sandipto" userId="ce8b666d-e07a-48aa-9977-3164567db1db" providerId="ADAL" clId="{C0D742E2-607C-4BA5-AAFF-1DA9F0AE2D41}" dt="2020-10-17T03:11:16.135" v="799" actId="14100"/>
+          <ac:cxnSpMkLst>
+            <pc:docMk/>
+            <pc:sldMk cId="689504210" sldId="272"/>
+            <ac:cxnSpMk id="7" creationId="{C9A3959C-7EDA-4B71-9656-E1E837E9DA80}"/>
+          </ac:cxnSpMkLst>
+        </pc:cxnChg>
+        <pc:cxnChg chg="add mod">
+          <ac:chgData name="Sanyal, Sandipto" userId="ce8b666d-e07a-48aa-9977-3164567db1db" providerId="ADAL" clId="{C0D742E2-607C-4BA5-AAFF-1DA9F0AE2D41}" dt="2020-10-17T03:17:18.196" v="906" actId="13822"/>
+          <ac:cxnSpMkLst>
+            <pc:docMk/>
+            <pc:sldMk cId="689504210" sldId="272"/>
+            <ac:cxnSpMk id="12" creationId="{CCC0DD9A-0E33-4838-8FCE-ED6D5AB489D0}"/>
+          </ac:cxnSpMkLst>
+        </pc:cxnChg>
+      </pc:sldChg>
+      <pc:sldChg chg="addSp modSp">
+        <pc:chgData name="Sanyal, Sandipto" userId="ce8b666d-e07a-48aa-9977-3164567db1db" providerId="ADAL" clId="{C0D742E2-607C-4BA5-AAFF-1DA9F0AE2D41}" dt="2020-10-17T03:24:53.816" v="1102" actId="13822"/>
+        <pc:sldMkLst>
+          <pc:docMk/>
+          <pc:sldMk cId="3407596738" sldId="273"/>
+        </pc:sldMkLst>
+        <pc:spChg chg="add mod">
+          <ac:chgData name="Sanyal, Sandipto" userId="ce8b666d-e07a-48aa-9977-3164567db1db" providerId="ADAL" clId="{C0D742E2-607C-4BA5-AAFF-1DA9F0AE2D41}" dt="2020-10-17T03:03:38.363" v="351" actId="20577"/>
+          <ac:spMkLst>
+            <pc:docMk/>
+            <pc:sldMk cId="3407596738" sldId="273"/>
+            <ac:spMk id="4" creationId="{BAF31D87-85DD-4808-BD12-1ADA69E73919}"/>
+          </ac:spMkLst>
+        </pc:spChg>
+        <pc:spChg chg="add mod">
+          <ac:chgData name="Sanyal, Sandipto" userId="ce8b666d-e07a-48aa-9977-3164567db1db" providerId="ADAL" clId="{C0D742E2-607C-4BA5-AAFF-1DA9F0AE2D41}" dt="2020-10-17T03:08:01.991" v="575" actId="20577"/>
+          <ac:spMkLst>
+            <pc:docMk/>
+            <pc:sldMk cId="3407596738" sldId="273"/>
+            <ac:spMk id="5" creationId="{2808A547-9BB3-4AB9-9C83-4959E2337D8C}"/>
+          </ac:spMkLst>
+        </pc:spChg>
+        <pc:spChg chg="add mod">
+          <ac:chgData name="Sanyal, Sandipto" userId="ce8b666d-e07a-48aa-9977-3164567db1db" providerId="ADAL" clId="{C0D742E2-607C-4BA5-AAFF-1DA9F0AE2D41}" dt="2020-10-17T03:24:38.554" v="1100" actId="20577"/>
+          <ac:spMkLst>
+            <pc:docMk/>
+            <pc:sldMk cId="3407596738" sldId="273"/>
+            <ac:spMk id="8" creationId="{0B560B38-B43D-4B3F-BE08-BB9A1630E13E}"/>
+          </ac:spMkLst>
+        </pc:spChg>
+        <pc:cxnChg chg="add mod">
+          <ac:chgData name="Sanyal, Sandipto" userId="ce8b666d-e07a-48aa-9977-3164567db1db" providerId="ADAL" clId="{C0D742E2-607C-4BA5-AAFF-1DA9F0AE2D41}" dt="2020-10-17T03:07:51.825" v="559" actId="20577"/>
+          <ac:cxnSpMkLst>
+            <pc:docMk/>
+            <pc:sldMk cId="3407596738" sldId="273"/>
+            <ac:cxnSpMk id="7" creationId="{4EF35436-4C2B-4B9C-ADD8-A5351044CA0D}"/>
+          </ac:cxnSpMkLst>
+        </pc:cxnChg>
+        <pc:cxnChg chg="add mod">
+          <ac:chgData name="Sanyal, Sandipto" userId="ce8b666d-e07a-48aa-9977-3164567db1db" providerId="ADAL" clId="{C0D742E2-607C-4BA5-AAFF-1DA9F0AE2D41}" dt="2020-10-17T03:24:53.816" v="1102" actId="13822"/>
+          <ac:cxnSpMkLst>
+            <pc:docMk/>
+            <pc:sldMk cId="3407596738" sldId="273"/>
+            <ac:cxnSpMk id="10" creationId="{AC6D5BEE-FA6A-4C3F-8454-798309365015}"/>
+          </ac:cxnSpMkLst>
+        </pc:cxnChg>
+      </pc:sldChg>
+      <pc:sldChg chg="addSp delSp modSp add">
+        <pc:chgData name="Sanyal, Sandipto" userId="ce8b666d-e07a-48aa-9977-3164567db1db" providerId="ADAL" clId="{C0D742E2-607C-4BA5-AAFF-1DA9F0AE2D41}" dt="2020-10-17T02:47:33.654" v="91" actId="1076"/>
+        <pc:sldMkLst>
+          <pc:docMk/>
+          <pc:sldMk cId="3771879573" sldId="275"/>
+        </pc:sldMkLst>
+        <pc:spChg chg="del">
+          <ac:chgData name="Sanyal, Sandipto" userId="ce8b666d-e07a-48aa-9977-3164567db1db" providerId="ADAL" clId="{C0D742E2-607C-4BA5-AAFF-1DA9F0AE2D41}" dt="2020-10-17T02:45:10.377" v="7" actId="478"/>
+          <ac:spMkLst>
+            <pc:docMk/>
+            <pc:sldMk cId="3771879573" sldId="275"/>
+            <ac:spMk id="2" creationId="{7504EE30-5FFB-4B38-9FB2-3EC17600D071}"/>
+          </ac:spMkLst>
+        </pc:spChg>
+        <pc:spChg chg="add del mod">
+          <ac:chgData name="Sanyal, Sandipto" userId="ce8b666d-e07a-48aa-9977-3164567db1db" providerId="ADAL" clId="{C0D742E2-607C-4BA5-AAFF-1DA9F0AE2D41}" dt="2020-10-17T02:47:29.030" v="90"/>
+          <ac:spMkLst>
+            <pc:docMk/>
+            <pc:sldMk cId="3771879573" sldId="275"/>
+            <ac:spMk id="4" creationId="{61858C93-1CC0-4CB1-9A7F-B1B141060093}"/>
+          </ac:spMkLst>
+        </pc:spChg>
+        <pc:spChg chg="add mod">
+          <ac:chgData name="Sanyal, Sandipto" userId="ce8b666d-e07a-48aa-9977-3164567db1db" providerId="ADAL" clId="{C0D742E2-607C-4BA5-AAFF-1DA9F0AE2D41}" dt="2020-10-17T02:47:33.654" v="91" actId="1076"/>
+          <ac:spMkLst>
+            <pc:docMk/>
+            <pc:sldMk cId="3771879573" sldId="275"/>
+            <ac:spMk id="5" creationId="{3057D948-A810-4CA3-8DCE-FD1D3B09976F}"/>
+          </ac:spMkLst>
+        </pc:spChg>
+        <pc:picChg chg="add mod">
+          <ac:chgData name="Sanyal, Sandipto" userId="ce8b666d-e07a-48aa-9977-3164567db1db" providerId="ADAL" clId="{C0D742E2-607C-4BA5-AAFF-1DA9F0AE2D41}" dt="2020-10-17T02:45:41.349" v="11" actId="1076"/>
+          <ac:picMkLst>
+            <pc:docMk/>
+            <pc:sldMk cId="3771879573" sldId="275"/>
+            <ac:picMk id="3" creationId="{DB545214-E260-4141-9107-BD947DDDC172}"/>
+          </ac:picMkLst>
+        </pc:picChg>
       </pc:sldChg>
     </pc:docChg>
   </pc:docChgLst>
@@ -2663,7 +2844,7 @@
             <a:fld id="{B61BEF0D-F0BB-DE4B-95CE-6DB70DBA9567}" type="datetimeFigureOut">
               <a:rPr lang="en-US" dirty="0"/>
               <a:pPr/>
-              <a:t>10/12/2020</a:t>
+              <a:t>10/17/2020</a:t>
             </a:fld>
             <a:endParaRPr lang="en-US" dirty="0"/>
           </a:p>
@@ -2911,7 +3092,7 @@
             <a:fld id="{B61BEF0D-F0BB-DE4B-95CE-6DB70DBA9567}" type="datetimeFigureOut">
               <a:rPr lang="en-US" dirty="0"/>
               <a:pPr/>
-              <a:t>10/12/2020</a:t>
+              <a:t>10/17/2020</a:t>
             </a:fld>
             <a:endParaRPr lang="en-US" dirty="0"/>
           </a:p>
@@ -3222,7 +3403,7 @@
             <a:fld id="{B61BEF0D-F0BB-DE4B-95CE-6DB70DBA9567}" type="datetimeFigureOut">
               <a:rPr lang="en-US" dirty="0"/>
               <a:pPr/>
-              <a:t>10/12/2020</a:t>
+              <a:t>10/17/2020</a:t>
             </a:fld>
             <a:endParaRPr lang="en-US" dirty="0"/>
           </a:p>
@@ -3560,7 +3741,7 @@
             <a:fld id="{B61BEF0D-F0BB-DE4B-95CE-6DB70DBA9567}" type="datetimeFigureOut">
               <a:rPr lang="en-US" dirty="0"/>
               <a:pPr/>
-              <a:t>10/12/2020</a:t>
+              <a:t>10/17/2020</a:t>
             </a:fld>
             <a:endParaRPr lang="en-US" dirty="0"/>
           </a:p>
@@ -3871,7 +4052,7 @@
             <a:fld id="{B61BEF0D-F0BB-DE4B-95CE-6DB70DBA9567}" type="datetimeFigureOut">
               <a:rPr lang="en-US" dirty="0"/>
               <a:pPr/>
-              <a:t>10/12/2020</a:t>
+              <a:t>10/17/2020</a:t>
             </a:fld>
             <a:endParaRPr lang="en-US" dirty="0"/>
           </a:p>
@@ -4261,7 +4442,7 @@
             <a:fld id="{B61BEF0D-F0BB-DE4B-95CE-6DB70DBA9567}" type="datetimeFigureOut">
               <a:rPr lang="en-US" dirty="0"/>
               <a:pPr/>
-              <a:t>10/12/2020</a:t>
+              <a:t>10/17/2020</a:t>
             </a:fld>
             <a:endParaRPr lang="en-US" dirty="0"/>
           </a:p>
@@ -4427,7 +4608,7 @@
           <a:p>
             <a:fld id="{55C6B4A9-1611-4792-9094-5F34BCA07E0B}" type="datetimeFigureOut">
               <a:rPr lang="en-US" dirty="0"/>
-              <a:t>10/12/2020</a:t>
+              <a:t>10/17/2020</a:t>
             </a:fld>
             <a:endParaRPr lang="en-US" dirty="0"/>
           </a:p>
@@ -4603,7 +4784,7 @@
             <a:fld id="{B61BEF0D-F0BB-DE4B-95CE-6DB70DBA9567}" type="datetimeFigureOut">
               <a:rPr lang="en-US" dirty="0"/>
               <a:pPr/>
-              <a:t>10/12/2020</a:t>
+              <a:t>10/17/2020</a:t>
             </a:fld>
             <a:endParaRPr lang="en-US" dirty="0"/>
           </a:p>
@@ -4776,7 +4957,7 @@
             <a:fld id="{B61BEF0D-F0BB-DE4B-95CE-6DB70DBA9567}" type="datetimeFigureOut">
               <a:rPr lang="en-US" dirty="0"/>
               <a:pPr/>
-              <a:t>10/12/2020</a:t>
+              <a:t>10/17/2020</a:t>
             </a:fld>
             <a:endParaRPr lang="en-US" dirty="0"/>
           </a:p>
@@ -5020,7 +5201,7 @@
             <a:fld id="{B61BEF0D-F0BB-DE4B-95CE-6DB70DBA9567}" type="datetimeFigureOut">
               <a:rPr lang="en-US" dirty="0"/>
               <a:pPr/>
-              <a:t>10/12/2020</a:t>
+              <a:t>10/17/2020</a:t>
             </a:fld>
             <a:endParaRPr lang="en-US" dirty="0"/>
           </a:p>
@@ -5248,7 +5429,7 @@
           <a:p>
             <a:fld id="{EB712588-04B1-427B-82EE-E8DB90309F08}" type="datetimeFigureOut">
               <a:rPr lang="en-US" dirty="0"/>
-              <a:t>10/12/2020</a:t>
+              <a:t>10/17/2020</a:t>
             </a:fld>
             <a:endParaRPr lang="en-US" dirty="0"/>
           </a:p>
@@ -5618,7 +5799,7 @@
             <a:fld id="{B61BEF0D-F0BB-DE4B-95CE-6DB70DBA9567}" type="datetimeFigureOut">
               <a:rPr lang="en-US" dirty="0"/>
               <a:pPr/>
-              <a:t>10/12/2020</a:t>
+              <a:t>10/17/2020</a:t>
             </a:fld>
             <a:endParaRPr lang="en-US" dirty="0"/>
           </a:p>
@@ -5738,7 +5919,7 @@
             <a:fld id="{B61BEF0D-F0BB-DE4B-95CE-6DB70DBA9567}" type="datetimeFigureOut">
               <a:rPr lang="en-US" dirty="0"/>
               <a:pPr/>
-              <a:t>10/12/2020</a:t>
+              <a:t>10/17/2020</a:t>
             </a:fld>
             <a:endParaRPr lang="en-US" dirty="0"/>
           </a:p>
@@ -5830,7 +6011,7 @@
             <a:fld id="{B61BEF0D-F0BB-DE4B-95CE-6DB70DBA9567}" type="datetimeFigureOut">
               <a:rPr lang="en-US" dirty="0"/>
               <a:pPr/>
-              <a:t>10/12/2020</a:t>
+              <a:t>10/17/2020</a:t>
             </a:fld>
             <a:endParaRPr lang="en-US" dirty="0"/>
           </a:p>
@@ -6081,7 +6262,7 @@
           <a:p>
             <a:fld id="{42A54C80-263E-416B-A8E0-580EDEADCBDC}" type="datetimeFigureOut">
               <a:rPr lang="en-US" dirty="0"/>
-              <a:t>10/12/2020</a:t>
+              <a:t>10/17/2020</a:t>
             </a:fld>
             <a:endParaRPr lang="en-US" dirty="0"/>
           </a:p>
@@ -6340,7 +6521,7 @@
             <a:fld id="{B61BEF0D-F0BB-DE4B-95CE-6DB70DBA9567}" type="datetimeFigureOut">
               <a:rPr lang="en-US" dirty="0"/>
               <a:pPr/>
-              <a:t>10/12/2020</a:t>
+              <a:t>10/17/2020</a:t>
             </a:fld>
             <a:endParaRPr lang="en-US" dirty="0"/>
           </a:p>
@@ -7080,7 +7261,7 @@
             <a:fld id="{B61BEF0D-F0BB-DE4B-95CE-6DB70DBA9567}" type="datetimeFigureOut">
               <a:rPr lang="en-US" dirty="0"/>
               <a:pPr/>
-              <a:t>10/12/2020</a:t>
+              <a:t>10/17/2020</a:t>
             </a:fld>
             <a:endParaRPr lang="en-US" dirty="0"/>
           </a:p>
@@ -12415,6 +12596,69 @@
           </a:prstGeom>
         </p:spPr>
       </p:pic>
+      <p:pic>
+        <p:nvPicPr>
+          <p:cNvPr id="5" name="Picture 4">
+            <a:extLst>
+              <a:ext uri="{FF2B5EF4-FFF2-40B4-BE49-F238E27FC236}">
+                <a16:creationId xmlns:a16="http://schemas.microsoft.com/office/drawing/2014/main" id="{0F4D4EF3-15FE-41D2-A97B-8F4318885256}"/>
+              </a:ext>
+            </a:extLst>
+          </p:cNvPr>
+          <p:cNvPicPr/>
+          <p:nvPr/>
+        </p:nvPicPr>
+        <p:blipFill>
+          <a:blip r:embed="rId3"/>
+          <a:stretch>
+            <a:fillRect/>
+          </a:stretch>
+        </p:blipFill>
+        <p:spPr>
+          <a:xfrm>
+            <a:off x="6451600" y="179069"/>
+            <a:ext cx="5943600" cy="2585720"/>
+          </a:xfrm>
+          <a:prstGeom prst="rect">
+            <a:avLst/>
+          </a:prstGeom>
+        </p:spPr>
+      </p:pic>
+      <p:sp>
+        <p:nvSpPr>
+          <p:cNvPr id="3" name="TextBox 2">
+            <a:extLst>
+              <a:ext uri="{FF2B5EF4-FFF2-40B4-BE49-F238E27FC236}">
+                <a16:creationId xmlns:a16="http://schemas.microsoft.com/office/drawing/2014/main" id="{951C606B-EA2D-486F-96D5-FEDE2EA9AC8D}"/>
+              </a:ext>
+            </a:extLst>
+          </p:cNvPr>
+          <p:cNvSpPr txBox="1"/>
+          <p:nvPr/>
+        </p:nvSpPr>
+        <p:spPr>
+          <a:xfrm>
+            <a:off x="8260080" y="3962400"/>
+            <a:ext cx="3566160" cy="1477328"/>
+          </a:xfrm>
+          <a:prstGeom prst="rect">
+            <a:avLst/>
+          </a:prstGeom>
+          <a:noFill/>
+        </p:spPr>
+        <p:txBody>
+          <a:bodyPr wrap="square" rtlCol="0">
+            <a:spAutoFit/>
+          </a:bodyPr>
+          <a:lstStyle/>
+          <a:p>
+            <a:r>
+              <a:rPr lang="en-US" dirty="0"/>
+              <a:t>This is a complicated formula. All the software packages does these calculations and provide the data in tabular format. Attached SPSS Screen.</a:t>
+            </a:r>
+          </a:p>
+        </p:txBody>
+      </p:sp>
     </p:spTree>
     <p:extLst>
       <p:ext uri="{BB962C8B-B14F-4D97-AF65-F5344CB8AC3E}">
@@ -12584,6 +12828,103 @@
           <a:chExt cx="0" cy="0"/>
         </a:xfrm>
       </p:grpSpPr>
+      <p:pic>
+        <p:nvPicPr>
+          <p:cNvPr id="3" name="Picture 2">
+            <a:extLst>
+              <a:ext uri="{FF2B5EF4-FFF2-40B4-BE49-F238E27FC236}">
+                <a16:creationId xmlns:a16="http://schemas.microsoft.com/office/drawing/2014/main" id="{DB545214-E260-4141-9107-BD947DDDC172}"/>
+              </a:ext>
+            </a:extLst>
+          </p:cNvPr>
+          <p:cNvPicPr/>
+          <p:nvPr/>
+        </p:nvPicPr>
+        <p:blipFill>
+          <a:blip r:embed="rId2"/>
+          <a:stretch>
+            <a:fillRect/>
+          </a:stretch>
+        </p:blipFill>
+        <p:spPr>
+          <a:xfrm>
+            <a:off x="720634" y="1354900"/>
+            <a:ext cx="10750731" cy="5368834"/>
+          </a:xfrm>
+          <a:prstGeom prst="rect">
+            <a:avLst/>
+          </a:prstGeom>
+        </p:spPr>
+      </p:pic>
+      <p:sp>
+        <p:nvSpPr>
+          <p:cNvPr id="5" name="Title 3">
+            <a:extLst>
+              <a:ext uri="{FF2B5EF4-FFF2-40B4-BE49-F238E27FC236}">
+                <a16:creationId xmlns:a16="http://schemas.microsoft.com/office/drawing/2014/main" id="{3057D948-A810-4CA3-8DCE-FD1D3B09976F}"/>
+              </a:ext>
+            </a:extLst>
+          </p:cNvPr>
+          <p:cNvSpPr>
+            <a:spLocks noGrp="1"/>
+          </p:cNvSpPr>
+          <p:nvPr>
+            <p:ph type="title"/>
+          </p:nvPr>
+        </p:nvSpPr>
+        <p:spPr>
+          <a:xfrm>
+            <a:off x="720634" y="134266"/>
+            <a:ext cx="8596668" cy="871470"/>
+          </a:xfrm>
+        </p:spPr>
+        <p:txBody>
+          <a:bodyPr>
+            <a:normAutofit fontScale="90000"/>
+          </a:bodyPr>
+          <a:lstStyle/>
+          <a:p>
+            <a:r>
+              <a:rPr lang="en-US" b="1" dirty="0"/>
+              <a:t>SPSS screenshot for performing Independent Samples Test</a:t>
+            </a:r>
+            <a:br>
+              <a:rPr lang="en-US" b="1" dirty="0"/>
+            </a:br>
+            <a:endParaRPr lang="en-IN" dirty="0"/>
+          </a:p>
+        </p:txBody>
+      </p:sp>
+    </p:spTree>
+    <p:extLst>
+      <p:ext uri="{BB962C8B-B14F-4D97-AF65-F5344CB8AC3E}">
+        <p14:creationId xmlns:p14="http://schemas.microsoft.com/office/powerpoint/2010/main" val="3771879573"/>
+      </p:ext>
+    </p:extLst>
+  </p:cSld>
+  <p:clrMapOvr>
+    <a:masterClrMapping/>
+  </p:clrMapOvr>
+</p:sld>
+</file>
+
+<file path=ppt/slides/slide16.xml><?xml version="1.0" encoding="utf-8"?>
+<p:sld xmlns:a="http://schemas.openxmlformats.org/drawingml/2006/main" xmlns:r="http://schemas.openxmlformats.org/officeDocument/2006/relationships" xmlns:p="http://schemas.openxmlformats.org/presentationml/2006/main">
+  <p:cSld>
+    <p:spTree>
+      <p:nvGrpSpPr>
+        <p:cNvPr id="1" name=""/>
+        <p:cNvGrpSpPr/>
+        <p:nvPr/>
+      </p:nvGrpSpPr>
+      <p:grpSpPr>
+        <a:xfrm>
+          <a:off x="0" y="0"/>
+          <a:ext cx="0" cy="0"/>
+          <a:chOff x="0" y="0"/>
+          <a:chExt cx="0" cy="0"/>
+        </a:xfrm>
+      </p:grpSpPr>
       <p:sp>
         <p:nvSpPr>
           <p:cNvPr id="2" name="Title 1"/>
@@ -12737,7 +13078,7 @@
 </p:sld>
 </file>
 
-<file path=ppt/slides/slide16.xml><?xml version="1.0" encoding="utf-8"?>
+<file path=ppt/slides/slide17.xml><?xml version="1.0" encoding="utf-8"?>
 <p:sld xmlns:a="http://schemas.openxmlformats.org/drawingml/2006/main" xmlns:r="http://schemas.openxmlformats.org/officeDocument/2006/relationships" xmlns:p="http://schemas.openxmlformats.org/presentationml/2006/main">
   <p:cSld>
     <p:spTree>
@@ -13769,6 +14110,296 @@
           </p:sp>
         </mc:Fallback>
       </mc:AlternateContent>
+      <p:sp>
+        <p:nvSpPr>
+          <p:cNvPr id="4" name="TextBox 3">
+            <a:extLst>
+              <a:ext uri="{FF2B5EF4-FFF2-40B4-BE49-F238E27FC236}">
+                <a16:creationId xmlns:a16="http://schemas.microsoft.com/office/drawing/2014/main" id="{BAF31D87-85DD-4808-BD12-1ADA69E73919}"/>
+              </a:ext>
+            </a:extLst>
+          </p:cNvPr>
+          <p:cNvSpPr txBox="1"/>
+          <p:nvPr/>
+        </p:nvSpPr>
+        <p:spPr>
+          <a:xfrm>
+            <a:off x="4556760" y="609600"/>
+            <a:ext cx="7223760" cy="646331"/>
+          </a:xfrm>
+          <a:prstGeom prst="rect">
+            <a:avLst/>
+          </a:prstGeom>
+          <a:noFill/>
+        </p:spPr>
+        <p:txBody>
+          <a:bodyPr wrap="square" rtlCol="0">
+            <a:spAutoFit/>
+          </a:bodyPr>
+          <a:lstStyle/>
+          <a:p>
+            <a:r>
+              <a:rPr lang="en-US" dirty="0"/>
+              <a:t>Our original contention is this 7% difference is due to sampling variation. Thus H0 is </a:t>
+            </a:r>
+            <a:r>
+              <a:rPr lang="el-GR" dirty="0"/>
+              <a:t>π</a:t>
+            </a:r>
+            <a:r>
+              <a:rPr lang="en-IN" baseline="-25000" dirty="0"/>
+              <a:t>1</a:t>
+            </a:r>
+            <a:r>
+              <a:rPr lang="en-IN" dirty="0"/>
+              <a:t> - </a:t>
+            </a:r>
+            <a:r>
+              <a:rPr lang="el-GR" dirty="0"/>
+              <a:t>π</a:t>
+            </a:r>
+            <a:r>
+              <a:rPr lang="en-IN" baseline="-25000" dirty="0"/>
+              <a:t>2</a:t>
+            </a:r>
+            <a:r>
+              <a:rPr lang="en-IN" dirty="0"/>
+              <a:t> = 0</a:t>
+            </a:r>
+            <a:r>
+              <a:rPr lang="en-US" dirty="0"/>
+              <a:t>.</a:t>
+            </a:r>
+            <a:endParaRPr lang="en-IN" dirty="0"/>
+          </a:p>
+        </p:txBody>
+      </p:sp>
+      <p:sp>
+        <p:nvSpPr>
+          <p:cNvPr id="5" name="TextBox 4">
+            <a:extLst>
+              <a:ext uri="{FF2B5EF4-FFF2-40B4-BE49-F238E27FC236}">
+                <a16:creationId xmlns:a16="http://schemas.microsoft.com/office/drawing/2014/main" id="{2808A547-9BB3-4AB9-9C83-4959E2337D8C}"/>
+              </a:ext>
+            </a:extLst>
+          </p:cNvPr>
+          <p:cNvSpPr txBox="1"/>
+          <p:nvPr/>
+        </p:nvSpPr>
+        <p:spPr>
+          <a:xfrm>
+            <a:off x="5831904" y="3967480"/>
+            <a:ext cx="7223760" cy="1200329"/>
+          </a:xfrm>
+          <a:prstGeom prst="rect">
+            <a:avLst/>
+          </a:prstGeom>
+          <a:noFill/>
+        </p:spPr>
+        <p:txBody>
+          <a:bodyPr wrap="square" rtlCol="0">
+            <a:spAutoFit/>
+          </a:bodyPr>
+          <a:lstStyle/>
+          <a:p>
+            <a:r>
+              <a:rPr lang="en-IN" dirty="0"/>
+              <a:t>Since our original contention that both the population proportions are same, we can replace </a:t>
+            </a:r>
+            <a:r>
+              <a:rPr lang="el-GR" dirty="0"/>
+              <a:t>π</a:t>
+            </a:r>
+            <a:r>
+              <a:rPr lang="en-IN" baseline="-25000" dirty="0"/>
+              <a:t>1</a:t>
+            </a:r>
+            <a:r>
+              <a:rPr lang="en-IN" dirty="0"/>
+              <a:t> = </a:t>
+            </a:r>
+            <a:r>
+              <a:rPr lang="el-GR" dirty="0"/>
+              <a:t>π</a:t>
+            </a:r>
+            <a:r>
+              <a:rPr lang="en-IN" baseline="-25000" dirty="0"/>
+              <a:t>2</a:t>
+            </a:r>
+            <a:r>
+              <a:rPr lang="en-IN" dirty="0"/>
+              <a:t> = </a:t>
+            </a:r>
+            <a:r>
+              <a:rPr lang="el-GR" dirty="0"/>
+              <a:t>π</a:t>
+            </a:r>
+            <a:r>
+              <a:rPr lang="en-US" dirty="0"/>
+              <a:t>. Since p</a:t>
+            </a:r>
+            <a:r>
+              <a:rPr lang="en-US" baseline="-25000" dirty="0"/>
+              <a:t>1</a:t>
+            </a:r>
+            <a:r>
+              <a:rPr lang="en-US" dirty="0"/>
+              <a:t> and p</a:t>
+            </a:r>
+            <a:r>
+              <a:rPr lang="en-US" baseline="-25000" dirty="0"/>
+              <a:t>2</a:t>
+            </a:r>
+            <a:r>
+              <a:rPr lang="en-US" dirty="0"/>
+              <a:t> are estimating same </a:t>
+            </a:r>
+            <a:r>
+              <a:rPr lang="el-GR" dirty="0"/>
+              <a:t>π</a:t>
+            </a:r>
+            <a:r>
+              <a:rPr lang="en-US" dirty="0"/>
+              <a:t> we need to combine them by doing a weighted average. Go to next slide.</a:t>
+            </a:r>
+            <a:endParaRPr lang="en-IN" dirty="0"/>
+          </a:p>
+        </p:txBody>
+      </p:sp>
+      <p:cxnSp>
+        <p:nvCxnSpPr>
+          <p:cNvPr id="7" name="Straight Arrow Connector 6">
+            <a:extLst>
+              <a:ext uri="{FF2B5EF4-FFF2-40B4-BE49-F238E27FC236}">
+                <a16:creationId xmlns:a16="http://schemas.microsoft.com/office/drawing/2014/main" id="{4EF35436-4C2B-4B9C-ADD8-A5351044CA0D}"/>
+              </a:ext>
+            </a:extLst>
+          </p:cNvPr>
+          <p:cNvCxnSpPr>
+            <a:stCxn id="5" idx="2"/>
+          </p:cNvCxnSpPr>
+          <p:nvPr/>
+        </p:nvCxnSpPr>
+        <p:spPr>
+          <a:xfrm flipH="1">
+            <a:off x="7905510" y="5167809"/>
+            <a:ext cx="1538274" cy="272292"/>
+          </a:xfrm>
+          <a:prstGeom prst="straightConnector1">
+            <a:avLst/>
+          </a:prstGeom>
+          <a:ln>
+            <a:tailEnd type="triangle"/>
+          </a:ln>
+        </p:spPr>
+        <p:style>
+          <a:lnRef idx="3">
+            <a:schemeClr val="accent4"/>
+          </a:lnRef>
+          <a:fillRef idx="0">
+            <a:schemeClr val="accent4"/>
+          </a:fillRef>
+          <a:effectRef idx="2">
+            <a:schemeClr val="accent4"/>
+          </a:effectRef>
+          <a:fontRef idx="minor">
+            <a:schemeClr val="tx1"/>
+          </a:fontRef>
+        </p:style>
+      </p:cxnSp>
+      <p:sp>
+        <p:nvSpPr>
+          <p:cNvPr id="8" name="TextBox 7">
+            <a:extLst>
+              <a:ext uri="{FF2B5EF4-FFF2-40B4-BE49-F238E27FC236}">
+                <a16:creationId xmlns:a16="http://schemas.microsoft.com/office/drawing/2014/main" id="{0B560B38-B43D-4B3F-BE08-BB9A1630E13E}"/>
+              </a:ext>
+            </a:extLst>
+          </p:cNvPr>
+          <p:cNvSpPr txBox="1"/>
+          <p:nvPr/>
+        </p:nvSpPr>
+        <p:spPr>
+          <a:xfrm>
+            <a:off x="5565686" y="2212630"/>
+            <a:ext cx="7223760" cy="369332"/>
+          </a:xfrm>
+          <a:prstGeom prst="rect">
+            <a:avLst/>
+          </a:prstGeom>
+          <a:noFill/>
+        </p:spPr>
+        <p:txBody>
+          <a:bodyPr wrap="square" rtlCol="0">
+            <a:spAutoFit/>
+          </a:bodyPr>
+          <a:lstStyle/>
+          <a:p>
+            <a:r>
+              <a:rPr lang="en-US" dirty="0"/>
+              <a:t>Since </a:t>
+            </a:r>
+            <a:r>
+              <a:rPr lang="el-GR" dirty="0"/>
+              <a:t>σ</a:t>
+            </a:r>
+            <a:r>
+              <a:rPr lang="en-US" dirty="0"/>
+              <a:t> is a function of </a:t>
+            </a:r>
+            <a:r>
+              <a:rPr lang="el-GR" dirty="0"/>
+              <a:t>π</a:t>
+            </a:r>
+            <a:r>
+              <a:rPr lang="en-US" dirty="0"/>
+              <a:t> itself we are not going for F distribution</a:t>
+            </a:r>
+            <a:endParaRPr lang="en-IN" dirty="0"/>
+          </a:p>
+        </p:txBody>
+      </p:sp>
+      <p:cxnSp>
+        <p:nvCxnSpPr>
+          <p:cNvPr id="10" name="Straight Arrow Connector 9">
+            <a:extLst>
+              <a:ext uri="{FF2B5EF4-FFF2-40B4-BE49-F238E27FC236}">
+                <a16:creationId xmlns:a16="http://schemas.microsoft.com/office/drawing/2014/main" id="{AC6D5BEE-FA6A-4C3F-8454-798309365015}"/>
+              </a:ext>
+            </a:extLst>
+          </p:cNvPr>
+          <p:cNvCxnSpPr>
+            <a:stCxn id="8" idx="2"/>
+          </p:cNvCxnSpPr>
+          <p:nvPr/>
+        </p:nvCxnSpPr>
+        <p:spPr>
+          <a:xfrm flipH="1">
+            <a:off x="5312780" y="2581962"/>
+            <a:ext cx="3864786" cy="2059486"/>
+          </a:xfrm>
+          <a:prstGeom prst="straightConnector1">
+            <a:avLst/>
+          </a:prstGeom>
+          <a:ln>
+            <a:tailEnd type="triangle"/>
+          </a:ln>
+        </p:spPr>
+        <p:style>
+          <a:lnRef idx="3">
+            <a:schemeClr val="accent4"/>
+          </a:lnRef>
+          <a:fillRef idx="0">
+            <a:schemeClr val="accent4"/>
+          </a:fillRef>
+          <a:effectRef idx="2">
+            <a:schemeClr val="accent4"/>
+          </a:effectRef>
+          <a:fontRef idx="minor">
+            <a:schemeClr val="tx1"/>
+          </a:fontRef>
+        </p:style>
+      </p:cxnSp>
     </p:spTree>
     <p:extLst>
       <p:ext uri="{BB962C8B-B14F-4D97-AF65-F5344CB8AC3E}">
@@ -13782,7 +14413,7 @@
 </p:sld>
 </file>
 
-<file path=ppt/slides/slide17.xml><?xml version="1.0" encoding="utf-8"?>
+<file path=ppt/slides/slide18.xml><?xml version="1.0" encoding="utf-8"?>
 <p:sld xmlns:a="http://schemas.openxmlformats.org/drawingml/2006/main" xmlns:r="http://schemas.openxmlformats.org/officeDocument/2006/relationships" xmlns:p="http://schemas.openxmlformats.org/presentationml/2006/main">
   <p:cSld>
     <p:spTree>
@@ -13826,8 +14457,8 @@
           </a:p>
         </p:txBody>
       </p:sp>
-      <mc:AlternateContent xmlns:mc="http://schemas.openxmlformats.org/markup-compatibility/2006" xmlns:a14="http://schemas.microsoft.com/office/drawing/2010/main">
-        <mc:Choice Requires="a14">
+      <mc:AlternateContent xmlns:mc="http://schemas.openxmlformats.org/markup-compatibility/2006">
+        <mc:Choice xmlns:a14="http://schemas.microsoft.com/office/drawing/2010/main" Requires="a14">
           <p:sp>
             <p:nvSpPr>
               <p:cNvPr id="3" name="Content Placeholder 2"/>
@@ -14181,6 +14812,12 @@
                         <a:latin typeface="Cambria Math" panose="02040503050406030204" pitchFamily="18" charset="0"/>
                       </a:rPr>
                       <m:t>=0.692</m:t>
+                    </m:r>
+                    <m:r>
+                      <a:rPr lang="en-US" sz="2400" b="0" i="1" smtClean="0">
+                        <a:latin typeface="Cambria Math" panose="02040503050406030204" pitchFamily="18" charset="0"/>
+                      </a:rPr>
+                      <m:t> </m:t>
                     </m:r>
                   </m:oMath>
                 </a14:m>
@@ -14747,11 +15384,22 @@
                   <a:rPr lang="en-IN" sz="2400" dirty="0"/>
                   <a:t>Conclusion?</a:t>
                 </a:r>
+                <a:r>
+                  <a:rPr lang="en-US" sz="2400" dirty="0">
+                    <a:solidFill>
+                      <a:srgbClr val="FF0000"/>
+                    </a:solidFill>
+                  </a:rPr>
+                  <a:t> </a:t>
+                </a:r>
+              </a:p>
+              <a:p>
+                <a:endParaRPr lang="en-IN" sz="2400" dirty="0"/>
               </a:p>
             </p:txBody>
           </p:sp>
         </mc:Choice>
-        <mc:Fallback xmlns="">
+        <mc:Fallback>
           <p:sp>
             <p:nvSpPr>
               <p:cNvPr id="3" name="Content Placeholder 2"/>
@@ -14767,7 +15415,7 @@
                 <a:off x="424115" y="1491175"/>
                 <a:ext cx="10042247" cy="5148776"/>
               </a:xfrm>
-              <a:blipFill rotWithShape="0">
+              <a:blipFill>
                 <a:blip r:embed="rId2"/>
                 <a:stretch>
                   <a:fillRect l="-486" t="-948"/>
@@ -14779,7 +15427,7 @@
               <a:lstStyle/>
               <a:p>
                 <a:r>
-                  <a:rPr lang="en-IN">
+                  <a:rPr lang="en-US">
                     <a:noFill/>
                   </a:rPr>
                   <a:t> </a:t>
@@ -14789,6 +15437,165 @@
           </p:sp>
         </mc:Fallback>
       </mc:AlternateContent>
+      <p:sp>
+        <p:nvSpPr>
+          <p:cNvPr id="5" name="TextBox 4">
+            <a:extLst>
+              <a:ext uri="{FF2B5EF4-FFF2-40B4-BE49-F238E27FC236}">
+                <a16:creationId xmlns:a16="http://schemas.microsoft.com/office/drawing/2014/main" id="{566EAC09-D8D2-47DD-9F44-7E16A22D978B}"/>
+              </a:ext>
+            </a:extLst>
+          </p:cNvPr>
+          <p:cNvSpPr txBox="1"/>
+          <p:nvPr/>
+        </p:nvSpPr>
+        <p:spPr>
+          <a:xfrm>
+            <a:off x="8171727" y="2828835"/>
+            <a:ext cx="4020274" cy="1477328"/>
+          </a:xfrm>
+          <a:prstGeom prst="rect">
+            <a:avLst/>
+          </a:prstGeom>
+          <a:noFill/>
+        </p:spPr>
+        <p:txBody>
+          <a:bodyPr wrap="square" rtlCol="0">
+            <a:spAutoFit/>
+          </a:bodyPr>
+          <a:lstStyle/>
+          <a:p>
+            <a:r>
+              <a:rPr lang="en-US" dirty="0">
+                <a:solidFill>
+                  <a:srgbClr val="FF0000"/>
+                </a:solidFill>
+              </a:rPr>
+              <a:t>Why are we taking weighted average? It means irrespective of which company fraction of customers are returning back is being calculated here</a:t>
+            </a:r>
+          </a:p>
+        </p:txBody>
+      </p:sp>
+      <p:cxnSp>
+        <p:nvCxnSpPr>
+          <p:cNvPr id="7" name="Straight Arrow Connector 6">
+            <a:extLst>
+              <a:ext uri="{FF2B5EF4-FFF2-40B4-BE49-F238E27FC236}">
+                <a16:creationId xmlns:a16="http://schemas.microsoft.com/office/drawing/2014/main" id="{C9A3959C-7EDA-4B71-9656-E1E837E9DA80}"/>
+              </a:ext>
+            </a:extLst>
+          </p:cNvPr>
+          <p:cNvCxnSpPr>
+            <a:cxnSpLocks/>
+            <a:stCxn id="5" idx="1"/>
+          </p:cNvCxnSpPr>
+          <p:nvPr/>
+        </p:nvCxnSpPr>
+        <p:spPr>
+          <a:xfrm flipH="1" flipV="1">
+            <a:off x="6423951" y="3310361"/>
+            <a:ext cx="1747776" cy="390056"/>
+          </a:xfrm>
+          <a:prstGeom prst="straightConnector1">
+            <a:avLst/>
+          </a:prstGeom>
+          <a:ln>
+            <a:tailEnd type="triangle"/>
+          </a:ln>
+        </p:spPr>
+        <p:style>
+          <a:lnRef idx="3">
+            <a:schemeClr val="accent4"/>
+          </a:lnRef>
+          <a:fillRef idx="0">
+            <a:schemeClr val="accent4"/>
+          </a:fillRef>
+          <a:effectRef idx="2">
+            <a:schemeClr val="accent4"/>
+          </a:effectRef>
+          <a:fontRef idx="minor">
+            <a:schemeClr val="tx1"/>
+          </a:fontRef>
+        </p:style>
+      </p:cxnSp>
+      <p:sp>
+        <p:nvSpPr>
+          <p:cNvPr id="10" name="TextBox 9">
+            <a:extLst>
+              <a:ext uri="{FF2B5EF4-FFF2-40B4-BE49-F238E27FC236}">
+                <a16:creationId xmlns:a16="http://schemas.microsoft.com/office/drawing/2014/main" id="{4F0897BB-24CF-4FFD-BBE5-4F5D16D48E22}"/>
+              </a:ext>
+            </a:extLst>
+          </p:cNvPr>
+          <p:cNvSpPr txBox="1"/>
+          <p:nvPr/>
+        </p:nvSpPr>
+        <p:spPr>
+          <a:xfrm>
+            <a:off x="3243759" y="5802183"/>
+            <a:ext cx="7222603" cy="1200329"/>
+          </a:xfrm>
+          <a:prstGeom prst="rect">
+            <a:avLst/>
+          </a:prstGeom>
+          <a:noFill/>
+        </p:spPr>
+        <p:txBody>
+          <a:bodyPr wrap="square" rtlCol="0">
+            <a:spAutoFit/>
+          </a:bodyPr>
+          <a:lstStyle/>
+          <a:p>
+            <a:r>
+              <a:rPr lang="en-US" dirty="0">
+                <a:solidFill>
+                  <a:srgbClr val="FF0000"/>
+                </a:solidFill>
+              </a:rPr>
+              <a:t>Means this difference of 7% is due to sampling variation and not process variation. No reason to believe ICL is drawing more repurchase. If you take another sample you may end up getting -7% difference.</a:t>
+            </a:r>
+          </a:p>
+        </p:txBody>
+      </p:sp>
+      <p:cxnSp>
+        <p:nvCxnSpPr>
+          <p:cNvPr id="12" name="Straight Arrow Connector 11">
+            <a:extLst>
+              <a:ext uri="{FF2B5EF4-FFF2-40B4-BE49-F238E27FC236}">
+                <a16:creationId xmlns:a16="http://schemas.microsoft.com/office/drawing/2014/main" id="{CCC0DD9A-0E33-4838-8FCE-ED6D5AB489D0}"/>
+              </a:ext>
+            </a:extLst>
+          </p:cNvPr>
+          <p:cNvCxnSpPr/>
+          <p:nvPr/>
+        </p:nvCxnSpPr>
+        <p:spPr>
+          <a:xfrm flipH="1" flipV="1">
+            <a:off x="2465408" y="6041985"/>
+            <a:ext cx="763929" cy="83364"/>
+          </a:xfrm>
+          <a:prstGeom prst="straightConnector1">
+            <a:avLst/>
+          </a:prstGeom>
+          <a:ln>
+            <a:tailEnd type="triangle"/>
+          </a:ln>
+        </p:spPr>
+        <p:style>
+          <a:lnRef idx="3">
+            <a:schemeClr val="accent4"/>
+          </a:lnRef>
+          <a:fillRef idx="0">
+            <a:schemeClr val="accent4"/>
+          </a:fillRef>
+          <a:effectRef idx="2">
+            <a:schemeClr val="accent4"/>
+          </a:effectRef>
+          <a:fontRef idx="minor">
+            <a:schemeClr val="tx1"/>
+          </a:fontRef>
+        </p:style>
+      </p:cxnSp>
     </p:spTree>
     <p:extLst>
       <p:ext uri="{BB962C8B-B14F-4D97-AF65-F5344CB8AC3E}">
@@ -14802,7 +15609,7 @@
 </p:sld>
 </file>
 
-<file path=ppt/slides/slide18.xml><?xml version="1.0" encoding="utf-8"?>
+<file path=ppt/slides/slide19.xml><?xml version="1.0" encoding="utf-8"?>
 <p:sld xmlns:a="http://schemas.openxmlformats.org/drawingml/2006/main" xmlns:r="http://schemas.openxmlformats.org/officeDocument/2006/relationships" xmlns:p="http://schemas.openxmlformats.org/presentationml/2006/main">
   <p:cSld>
     <p:spTree>
@@ -17551,8 +18358,8 @@
           </a:p>
         </p:txBody>
       </p:sp>
-      <mc:AlternateContent xmlns:mc="http://schemas.openxmlformats.org/markup-compatibility/2006">
-        <mc:Choice xmlns:a14="http://schemas.microsoft.com/office/drawing/2010/main" Requires="a14">
+      <mc:AlternateContent xmlns:mc="http://schemas.openxmlformats.org/markup-compatibility/2006" xmlns:a14="http://schemas.microsoft.com/office/drawing/2010/main">
+        <mc:Choice Requires="a14">
           <p:sp>
             <p:nvSpPr>
               <p:cNvPr id="5" name="Content Placeholder 4"/>
@@ -17998,7 +18805,7 @@
             </p:txBody>
           </p:sp>
         </mc:Choice>
-        <mc:Fallback>
+        <mc:Fallback xmlns="">
           <p:sp>
             <p:nvSpPr>
               <p:cNvPr id="5" name="Content Placeholder 4"/>
